--- a/Documents/Presentation.pptx
+++ b/Documents/Presentation.pptx
@@ -11381,7 +11381,17 @@
                 <a:latin typeface="Calibri" panose="020F0502020204030204" pitchFamily="34" charset="0"/>
                 <a:cs typeface="Calibri" panose="020F0502020204030204" pitchFamily="34" charset="0"/>
               </a:rPr>
-              <a:t>Ванина Тенева</a:t>
+              <a:t>Стефан </a:t>
+            </a:r>
+            <a:r>
+              <a:rPr lang="bg-BG" sz="1600" b="1">
+                <a:solidFill>
+                  <a:srgbClr val="0A7D84"/>
+                </a:solidFill>
+                <a:latin typeface="Calibri" panose="020F0502020204030204" pitchFamily="34" charset="0"/>
+                <a:cs typeface="Calibri" panose="020F0502020204030204" pitchFamily="34" charset="0"/>
+              </a:rPr>
+              <a:t>Равнинов</a:t>
             </a:r>
             <a:endParaRPr lang="en-US" sz="1600" b="1" dirty="0">
               <a:solidFill>
